--- a/Documents/Lecture outlines/Lecture 4/Lecture 4 Importance of data.pptx
+++ b/Documents/Lecture outlines/Lecture 4/Lecture 4 Importance of data.pptx
@@ -6,10 +6,13 @@
   </p:sldMasterIdLst>
   <p:sldIdLst>
     <p:sldId id="256" r:id="rId2"/>
-    <p:sldId id="257" r:id="rId3"/>
-    <p:sldId id="258" r:id="rId4"/>
-    <p:sldId id="259" r:id="rId5"/>
-    <p:sldId id="260" r:id="rId6"/>
+    <p:sldId id="261" r:id="rId3"/>
+    <p:sldId id="262" r:id="rId4"/>
+    <p:sldId id="263" r:id="rId5"/>
+    <p:sldId id="257" r:id="rId6"/>
+    <p:sldId id="258" r:id="rId7"/>
+    <p:sldId id="259" r:id="rId8"/>
+    <p:sldId id="260" r:id="rId9"/>
   </p:sldIdLst>
   <p:sldSz cx="12192000" cy="6858000"/>
   <p:notesSz cx="6858000" cy="9144000"/>
@@ -108,7 +111,39 @@
       </a:defRPr>
     </a:lvl9pPr>
   </p:defaultTextStyle>
+  <p:extLst>
+    <p:ext uri="{EFAFB233-063F-42B5-8137-9DF3F51BA10A}">
+      <p15:sldGuideLst xmlns:p15="http://schemas.microsoft.com/office/powerpoint/2012/main"/>
+    </p:ext>
+  </p:extLst>
 </p:presentation>
+</file>
+
+<file path=ppt/ink/ink1.xml><?xml version="1.0" encoding="utf-8"?>
+<inkml:ink xmlns:inkml="http://www.w3.org/2003/InkML">
+  <inkml:definitions>
+    <inkml:context xml:id="ctx0">
+      <inkml:inkSource xml:id="inkSrc0">
+        <inkml:traceFormat>
+          <inkml:channel name="X" type="integer" min="-2.14748E9" max="2.14748E9" units="cm"/>
+          <inkml:channel name="Y" type="integer" min="-2.14748E9" max="2.14748E9" units="cm"/>
+          <inkml:channel name="F" type="integer" max="32767" units="dev"/>
+        </inkml:traceFormat>
+        <inkml:channelProperties>
+          <inkml:channelProperty channel="X" name="resolution" value="1000" units="1/cm"/>
+          <inkml:channelProperty channel="Y" name="resolution" value="1000" units="1/cm"/>
+          <inkml:channelProperty channel="F" name="resolution" value="0" units="1/dev"/>
+        </inkml:channelProperties>
+      </inkml:inkSource>
+      <inkml:timestamp xml:id="ts0" timeString="2019-12-02T10:21:13.140"/>
+    </inkml:context>
+    <inkml:brush xml:id="br0">
+      <inkml:brushProperty name="width" value="0.1" units="cm"/>
+      <inkml:brushProperty name="height" value="0.1" units="cm"/>
+    </inkml:brush>
+  </inkml:definitions>
+  <inkml:trace contextRef="#ctx0" brushRef="#br0">0 0 9952,'0'0'0,"0"0"0,53 20 0,-53-20-480,0 0 480,33 16-480,3-3 480,-36-13-1176,0 0 1176,29 10-1168,8-3 1168,32 9-4216</inkml:trace>
+</inkml:ink>
 </file>
 
 <file path=ppt/slideLayouts/slideLayout1.xml><?xml version="1.0" encoding="utf-8"?>
@@ -260,7 +295,7 @@
           <a:p>
             <a:fld id="{9D8F1C5C-FE19-45C9-B89D-44442B4BDE42}" type="datetimeFigureOut">
               <a:rPr lang="en-GB" smtClean="0"/>
-              <a:t>27/11/2019</a:t>
+              <a:t>02/12/2019</a:t>
             </a:fld>
             <a:endParaRPr lang="en-GB"/>
           </a:p>
@@ -460,7 +495,7 @@
           <a:p>
             <a:fld id="{9D8F1C5C-FE19-45C9-B89D-44442B4BDE42}" type="datetimeFigureOut">
               <a:rPr lang="en-GB" smtClean="0"/>
-              <a:t>27/11/2019</a:t>
+              <a:t>02/12/2019</a:t>
             </a:fld>
             <a:endParaRPr lang="en-GB"/>
           </a:p>
@@ -670,7 +705,7 @@
           <a:p>
             <a:fld id="{9D8F1C5C-FE19-45C9-B89D-44442B4BDE42}" type="datetimeFigureOut">
               <a:rPr lang="en-GB" smtClean="0"/>
-              <a:t>27/11/2019</a:t>
+              <a:t>02/12/2019</a:t>
             </a:fld>
             <a:endParaRPr lang="en-GB"/>
           </a:p>
@@ -870,7 +905,7 @@
           <a:p>
             <a:fld id="{9D8F1C5C-FE19-45C9-B89D-44442B4BDE42}" type="datetimeFigureOut">
               <a:rPr lang="en-GB" smtClean="0"/>
-              <a:t>27/11/2019</a:t>
+              <a:t>02/12/2019</a:t>
             </a:fld>
             <a:endParaRPr lang="en-GB"/>
           </a:p>
@@ -1146,7 +1181,7 @@
           <a:p>
             <a:fld id="{9D8F1C5C-FE19-45C9-B89D-44442B4BDE42}" type="datetimeFigureOut">
               <a:rPr lang="en-GB" smtClean="0"/>
-              <a:t>27/11/2019</a:t>
+              <a:t>02/12/2019</a:t>
             </a:fld>
             <a:endParaRPr lang="en-GB"/>
           </a:p>
@@ -1414,7 +1449,7 @@
           <a:p>
             <a:fld id="{9D8F1C5C-FE19-45C9-B89D-44442B4BDE42}" type="datetimeFigureOut">
               <a:rPr lang="en-GB" smtClean="0"/>
-              <a:t>27/11/2019</a:t>
+              <a:t>02/12/2019</a:t>
             </a:fld>
             <a:endParaRPr lang="en-GB"/>
           </a:p>
@@ -1829,7 +1864,7 @@
           <a:p>
             <a:fld id="{9D8F1C5C-FE19-45C9-B89D-44442B4BDE42}" type="datetimeFigureOut">
               <a:rPr lang="en-GB" smtClean="0"/>
-              <a:t>27/11/2019</a:t>
+              <a:t>02/12/2019</a:t>
             </a:fld>
             <a:endParaRPr lang="en-GB"/>
           </a:p>
@@ -1971,7 +2006,7 @@
           <a:p>
             <a:fld id="{9D8F1C5C-FE19-45C9-B89D-44442B4BDE42}" type="datetimeFigureOut">
               <a:rPr lang="en-GB" smtClean="0"/>
-              <a:t>27/11/2019</a:t>
+              <a:t>02/12/2019</a:t>
             </a:fld>
             <a:endParaRPr lang="en-GB"/>
           </a:p>
@@ -2084,7 +2119,7 @@
           <a:p>
             <a:fld id="{9D8F1C5C-FE19-45C9-B89D-44442B4BDE42}" type="datetimeFigureOut">
               <a:rPr lang="en-GB" smtClean="0"/>
-              <a:t>27/11/2019</a:t>
+              <a:t>02/12/2019</a:t>
             </a:fld>
             <a:endParaRPr lang="en-GB"/>
           </a:p>
@@ -2397,7 +2432,7 @@
           <a:p>
             <a:fld id="{9D8F1C5C-FE19-45C9-B89D-44442B4BDE42}" type="datetimeFigureOut">
               <a:rPr lang="en-GB" smtClean="0"/>
-              <a:t>27/11/2019</a:t>
+              <a:t>02/12/2019</a:t>
             </a:fld>
             <a:endParaRPr lang="en-GB"/>
           </a:p>
@@ -2686,7 +2721,7 @@
           <a:p>
             <a:fld id="{9D8F1C5C-FE19-45C9-B89D-44442B4BDE42}" type="datetimeFigureOut">
               <a:rPr lang="en-GB" smtClean="0"/>
-              <a:t>27/11/2019</a:t>
+              <a:t>02/12/2019</a:t>
             </a:fld>
             <a:endParaRPr lang="en-GB"/>
           </a:p>
@@ -2763,9 +2798,39 @@
 <p:sldMaster xmlns:a="http://schemas.openxmlformats.org/drawingml/2006/main" xmlns:r="http://schemas.openxmlformats.org/officeDocument/2006/relationships" xmlns:p="http://schemas.openxmlformats.org/presentationml/2006/main">
   <p:cSld>
     <p:bg>
-      <p:bgRef idx="1001">
-        <a:schemeClr val="bg1"/>
-      </p:bgRef>
+      <p:bgPr>
+        <a:gradFill flip="none" rotWithShape="1">
+          <a:gsLst>
+            <a:gs pos="0">
+              <a:schemeClr val="accent1">
+                <a:lumMod val="5000"/>
+                <a:lumOff val="95000"/>
+              </a:schemeClr>
+            </a:gs>
+            <a:gs pos="74000">
+              <a:schemeClr val="accent1">
+                <a:lumMod val="45000"/>
+                <a:lumOff val="55000"/>
+              </a:schemeClr>
+            </a:gs>
+            <a:gs pos="83000">
+              <a:schemeClr val="accent1">
+                <a:lumMod val="45000"/>
+                <a:lumOff val="55000"/>
+              </a:schemeClr>
+            </a:gs>
+            <a:gs pos="100000">
+              <a:schemeClr val="accent1">
+                <a:lumMod val="30000"/>
+                <a:lumOff val="70000"/>
+              </a:schemeClr>
+            </a:gs>
+          </a:gsLst>
+          <a:lin ang="5400000" scaled="1"/>
+          <a:tileRect/>
+        </a:gradFill>
+        <a:effectLst/>
+      </p:bgPr>
     </p:bg>
     <p:spTree>
       <p:nvGrpSpPr>
@@ -2929,7 +2994,7 @@
           <a:p>
             <a:fld id="{9D8F1C5C-FE19-45C9-B89D-44442B4BDE42}" type="datetimeFigureOut">
               <a:rPr lang="en-GB" smtClean="0"/>
-              <a:t>27/11/2019</a:t>
+              <a:t>02/12/2019</a:t>
             </a:fld>
             <a:endParaRPr lang="en-GB"/>
           </a:p>
@@ -3392,16 +3457,69 @@
         </p:nvSpPr>
         <p:spPr/>
         <p:txBody>
-          <a:bodyPr/>
-          <a:lstStyle/>
-          <a:p>
-            <a:r>
-              <a:rPr lang="en-GB" dirty="0"/>
-              <a:t>The importance of data</a:t>
-            </a:r>
-          </a:p>
-        </p:txBody>
-      </p:sp>
+          <a:bodyPr>
+            <a:normAutofit/>
+          </a:bodyPr>
+          <a:lstStyle/>
+          <a:p>
+            <a:r>
+              <a:rPr lang="en-GB" sz="8000" dirty="0"/>
+              <a:t>Data</a:t>
+            </a:r>
+          </a:p>
+        </p:txBody>
+      </p:sp>
+      <mc:AlternateContent xmlns:mc="http://schemas.openxmlformats.org/markup-compatibility/2006">
+        <mc:Choice xmlns:p14="http://schemas.microsoft.com/office/powerpoint/2010/main" Requires="p14">
+          <p:contentPart p14:bwMode="auto" r:id="rId2">
+            <p14:nvContentPartPr>
+              <p14:cNvPr id="4" name="Ink 3">
+                <a:extLst>
+                  <a:ext uri="{FF2B5EF4-FFF2-40B4-BE49-F238E27FC236}">
+                    <a16:creationId xmlns:a16="http://schemas.microsoft.com/office/drawing/2014/main" id="{910C64F4-3350-41A8-B897-DE361040B2DF}"/>
+                  </a:ext>
+                </a:extLst>
+              </p14:cNvPr>
+              <p14:cNvContentPartPr/>
+              <p14:nvPr/>
+            </p14:nvContentPartPr>
+            <p14:xfrm>
+              <a:off x="12786570" y="3134130"/>
+              <a:ext cx="92520" cy="29880"/>
+            </p14:xfrm>
+          </p:contentPart>
+        </mc:Choice>
+        <mc:Fallback>
+          <p:pic>
+            <p:nvPicPr>
+              <p:cNvPr id="4" name="Ink 3">
+                <a:extLst>
+                  <a:ext uri="{FF2B5EF4-FFF2-40B4-BE49-F238E27FC236}">
+                    <a16:creationId xmlns:a16="http://schemas.microsoft.com/office/drawing/2014/main" id="{910C64F4-3350-41A8-B897-DE361040B2DF}"/>
+                  </a:ext>
+                </a:extLst>
+              </p:cNvPr>
+              <p:cNvPicPr/>
+              <p:nvPr/>
+            </p:nvPicPr>
+            <p:blipFill>
+              <a:blip r:embed="rId3"/>
+              <a:stretch>
+                <a:fillRect/>
+              </a:stretch>
+            </p:blipFill>
+            <p:spPr>
+              <a:xfrm>
+                <a:off x="12768570" y="3116130"/>
+                <a:ext cx="128160" cy="65520"/>
+              </a:xfrm>
+              <a:prstGeom prst="rect">
+                <a:avLst/>
+              </a:prstGeom>
+            </p:spPr>
+          </p:pic>
+        </mc:Fallback>
+      </mc:AlternateContent>
     </p:spTree>
     <p:extLst>
       <p:ext uri="{BB962C8B-B14F-4D97-AF65-F5344CB8AC3E}">
@@ -3437,7 +3555,7 @@
           <p:cNvPr id="2" name="Title 1">
             <a:extLst>
               <a:ext uri="{FF2B5EF4-FFF2-40B4-BE49-F238E27FC236}">
-                <a16:creationId xmlns:a16="http://schemas.microsoft.com/office/drawing/2014/main" id="{A1C5ADF1-17A7-4FC7-9722-E771BF912054}"/>
+                <a16:creationId xmlns:a16="http://schemas.microsoft.com/office/drawing/2014/main" id="{EACCCF6A-A8AB-4C0A-8DA4-73BFC2CC76BD}"/>
               </a:ext>
             </a:extLst>
           </p:cNvPr>
@@ -3455,7 +3573,7 @@
           <a:p>
             <a:r>
               <a:rPr lang="en-GB" dirty="0"/>
-              <a:t>Population characteristics</a:t>
+              <a:t>Lecture 4 outline</a:t>
             </a:r>
           </a:p>
         </p:txBody>
@@ -3465,7 +3583,7 @@
           <p:cNvPr id="3" name="Content Placeholder 2">
             <a:extLst>
               <a:ext uri="{FF2B5EF4-FFF2-40B4-BE49-F238E27FC236}">
-                <a16:creationId xmlns:a16="http://schemas.microsoft.com/office/drawing/2014/main" id="{EA23C95D-E9F9-4838-AC29-47A8D2FCA9A9}"/>
+                <a16:creationId xmlns:a16="http://schemas.microsoft.com/office/drawing/2014/main" id="{FD514FB2-D39D-46F6-9417-3F9D1DF25F4D}"/>
               </a:ext>
             </a:extLst>
           </p:cNvPr>
@@ -3482,26 +3600,32 @@
           <a:lstStyle/>
           <a:p>
             <a:r>
+              <a:rPr lang="en-GB" b="1" dirty="0"/>
+              <a:t>The importance of data (~10mins)</a:t>
+            </a:r>
+          </a:p>
+          <a:p>
+            <a:r>
               <a:rPr lang="en-GB" dirty="0"/>
-              <a:t>Free walking speed</a:t>
+              <a:t>Emergencies (~10mins)</a:t>
             </a:r>
           </a:p>
           <a:p>
             <a:r>
               <a:rPr lang="en-GB" dirty="0"/>
-              <a:t>Maximum speed</a:t>
+              <a:t>Emergency example (~10mins)</a:t>
             </a:r>
           </a:p>
           <a:p>
             <a:r>
               <a:rPr lang="en-GB" dirty="0"/>
-              <a:t>Staircase speed</a:t>
+              <a:t>Data gathering vs data generating: experiments (~10mins)</a:t>
             </a:r>
           </a:p>
           <a:p>
             <a:r>
               <a:rPr lang="en-GB" dirty="0"/>
-              <a:t>Agent dimensions</a:t>
+              <a:t>Data gathering vs data generating: real-world sources (~10mins)</a:t>
             </a:r>
           </a:p>
           <a:p>
@@ -3512,7 +3636,7 @@
     </p:spTree>
     <p:extLst>
       <p:ext uri="{BB962C8B-B14F-4D97-AF65-F5344CB8AC3E}">
-        <p14:creationId xmlns:p14="http://schemas.microsoft.com/office/powerpoint/2010/main" val="290380897"/>
+        <p14:creationId xmlns:p14="http://schemas.microsoft.com/office/powerpoint/2010/main" val="1349485034"/>
       </p:ext>
     </p:extLst>
   </p:cSld>
@@ -3541,18 +3665,18 @@
       </p:grpSpPr>
       <p:sp>
         <p:nvSpPr>
-          <p:cNvPr id="2" name="Title 1">
-            <a:extLst>
-              <a:ext uri="{FF2B5EF4-FFF2-40B4-BE49-F238E27FC236}">
-                <a16:creationId xmlns:a16="http://schemas.microsoft.com/office/drawing/2014/main" id="{82F217E6-4AAF-41A4-A496-56203B2C2786}"/>
-              </a:ext>
-            </a:extLst>
-          </p:cNvPr>
-          <p:cNvSpPr>
-            <a:spLocks noGrp="1"/>
-          </p:cNvSpPr>
-          <p:nvPr>
-            <p:ph type="title"/>
+          <p:cNvPr id="4" name="Title 3">
+            <a:extLst>
+              <a:ext uri="{FF2B5EF4-FFF2-40B4-BE49-F238E27FC236}">
+                <a16:creationId xmlns:a16="http://schemas.microsoft.com/office/drawing/2014/main" id="{CD1084B1-C087-48E2-81D5-2B3B91DB4AFB}"/>
+              </a:ext>
+            </a:extLst>
+          </p:cNvPr>
+          <p:cNvSpPr>
+            <a:spLocks noGrp="1"/>
+          </p:cNvSpPr>
+          <p:nvPr>
+            <p:ph type="ctrTitle"/>
           </p:nvPr>
         </p:nvSpPr>
         <p:spPr/>
@@ -3562,49 +3686,40 @@
           <a:p>
             <a:r>
               <a:rPr lang="en-GB" dirty="0"/>
-              <a:t>Group data</a:t>
-            </a:r>
-          </a:p>
-        </p:txBody>
-      </p:sp>
-      <p:sp>
-        <p:nvSpPr>
-          <p:cNvPr id="3" name="Content Placeholder 2">
-            <a:extLst>
-              <a:ext uri="{FF2B5EF4-FFF2-40B4-BE49-F238E27FC236}">
-                <a16:creationId xmlns:a16="http://schemas.microsoft.com/office/drawing/2014/main" id="{47ACB8AE-389B-4070-A1CE-DF3860AEF408}"/>
-              </a:ext>
-            </a:extLst>
-          </p:cNvPr>
-          <p:cNvSpPr>
-            <a:spLocks noGrp="1"/>
-          </p:cNvSpPr>
-          <p:nvPr>
-            <p:ph idx="1"/>
-          </p:nvPr>
-        </p:nvSpPr>
-        <p:spPr/>
-        <p:txBody>
-          <a:bodyPr/>
-          <a:lstStyle/>
-          <a:p>
-            <a:r>
-              <a:rPr lang="en-GB" dirty="0"/>
-              <a:t>1D density-speed relationships</a:t>
-            </a:r>
-          </a:p>
-          <a:p>
-            <a:r>
-              <a:rPr lang="en-GB" dirty="0"/>
-              <a:t>2D density-speed relationships</a:t>
-            </a:r>
+              <a:t>The importance of data</a:t>
+            </a:r>
+          </a:p>
+        </p:txBody>
+      </p:sp>
+      <p:sp>
+        <p:nvSpPr>
+          <p:cNvPr id="5" name="Subtitle 4">
+            <a:extLst>
+              <a:ext uri="{FF2B5EF4-FFF2-40B4-BE49-F238E27FC236}">
+                <a16:creationId xmlns:a16="http://schemas.microsoft.com/office/drawing/2014/main" id="{2047C185-BC09-4849-85A2-D55D57536216}"/>
+              </a:ext>
+            </a:extLst>
+          </p:cNvPr>
+          <p:cNvSpPr>
+            <a:spLocks noGrp="1"/>
+          </p:cNvSpPr>
+          <p:nvPr>
+            <p:ph type="subTitle" idx="1"/>
+          </p:nvPr>
+        </p:nvSpPr>
+        <p:spPr/>
+        <p:txBody>
+          <a:bodyPr/>
+          <a:lstStyle/>
+          <a:p>
+            <a:endParaRPr lang="en-GB"/>
           </a:p>
         </p:txBody>
       </p:sp>
     </p:spTree>
     <p:extLst>
       <p:ext uri="{BB962C8B-B14F-4D97-AF65-F5344CB8AC3E}">
-        <p14:creationId xmlns:p14="http://schemas.microsoft.com/office/powerpoint/2010/main" val="17392470"/>
+        <p14:creationId xmlns:p14="http://schemas.microsoft.com/office/powerpoint/2010/main" val="3338504646"/>
       </p:ext>
     </p:extLst>
   </p:cSld>
@@ -3636,7 +3751,7 @@
           <p:cNvPr id="2" name="Title 1">
             <a:extLst>
               <a:ext uri="{FF2B5EF4-FFF2-40B4-BE49-F238E27FC236}">
-                <a16:creationId xmlns:a16="http://schemas.microsoft.com/office/drawing/2014/main" id="{2D900B49-C6E2-4619-B174-0E86CB3C13A7}"/>
+                <a16:creationId xmlns:a16="http://schemas.microsoft.com/office/drawing/2014/main" id="{9EC12B05-4E21-46C2-81B3-5E21A1F27EBE}"/>
               </a:ext>
             </a:extLst>
           </p:cNvPr>
@@ -3652,34 +3767,75 @@
           <a:bodyPr/>
           <a:lstStyle/>
           <a:p>
+            <a:r>
+              <a:rPr lang="en-GB" dirty="0"/>
+              <a:t>Why is data important?</a:t>
+            </a:r>
+          </a:p>
+        </p:txBody>
+      </p:sp>
+      <p:sp>
+        <p:nvSpPr>
+          <p:cNvPr id="3" name="Content Placeholder 2">
+            <a:extLst>
+              <a:ext uri="{FF2B5EF4-FFF2-40B4-BE49-F238E27FC236}">
+                <a16:creationId xmlns:a16="http://schemas.microsoft.com/office/drawing/2014/main" id="{926EC2B8-8375-4B68-8CD7-8CFD3C687BA9}"/>
+              </a:ext>
+            </a:extLst>
+          </p:cNvPr>
+          <p:cNvSpPr>
+            <a:spLocks noGrp="1"/>
+          </p:cNvSpPr>
+          <p:nvPr>
+            <p:ph idx="1"/>
+          </p:nvPr>
+        </p:nvSpPr>
+        <p:spPr/>
+        <p:txBody>
+          <a:bodyPr/>
+          <a:lstStyle/>
+          <a:p>
+            <a:r>
+              <a:rPr lang="en-GB" dirty="0"/>
+              <a:t>Consider the design of a gym. </a:t>
+            </a:r>
+          </a:p>
+          <a:p>
+            <a:pPr lvl="1"/>
+            <a:r>
+              <a:rPr lang="en-GB" dirty="0"/>
+              <a:t>How wide do the doors need to be? </a:t>
+            </a:r>
+          </a:p>
+          <a:p>
+            <a:pPr lvl="1"/>
+            <a:r>
+              <a:rPr lang="en-GB" dirty="0"/>
+              <a:t>How big do the showers need to be?</a:t>
+            </a:r>
+          </a:p>
+          <a:p>
+            <a:pPr lvl="1"/>
             <a:endParaRPr lang="en-GB" dirty="0"/>
           </a:p>
-        </p:txBody>
-      </p:sp>
-      <p:sp>
-        <p:nvSpPr>
-          <p:cNvPr id="3" name="Content Placeholder 2">
-            <a:extLst>
-              <a:ext uri="{FF2B5EF4-FFF2-40B4-BE49-F238E27FC236}">
-                <a16:creationId xmlns:a16="http://schemas.microsoft.com/office/drawing/2014/main" id="{75672776-6A2A-4862-A472-D65E3E955D91}"/>
-              </a:ext>
-            </a:extLst>
-          </p:cNvPr>
-          <p:cNvSpPr>
-            <a:spLocks noGrp="1"/>
-          </p:cNvSpPr>
-          <p:nvPr>
-            <p:ph idx="1"/>
-          </p:nvPr>
-        </p:nvSpPr>
-        <p:spPr/>
-        <p:txBody>
-          <a:bodyPr/>
-          <a:lstStyle/>
           <a:p>
             <a:r>
               <a:rPr lang="en-GB" dirty="0"/>
-              <a:t>Wayfinding</a:t>
+              <a:t>Now consider the design of a care home.</a:t>
+            </a:r>
+          </a:p>
+          <a:p>
+            <a:pPr lvl="1"/>
+            <a:r>
+              <a:rPr lang="en-GB" dirty="0"/>
+              <a:t>Do these doors need to be wider?</a:t>
+            </a:r>
+          </a:p>
+          <a:p>
+            <a:pPr lvl="1"/>
+            <a:r>
+              <a:rPr lang="en-GB" dirty="0"/>
+              <a:t>Do these showers need to be baths?</a:t>
             </a:r>
           </a:p>
         </p:txBody>
@@ -3687,7 +3843,7 @@
     </p:spTree>
     <p:extLst>
       <p:ext uri="{BB962C8B-B14F-4D97-AF65-F5344CB8AC3E}">
-        <p14:creationId xmlns:p14="http://schemas.microsoft.com/office/powerpoint/2010/main" val="945560003"/>
+        <p14:creationId xmlns:p14="http://schemas.microsoft.com/office/powerpoint/2010/main" val="2981712400"/>
       </p:ext>
     </p:extLst>
   </p:cSld>
@@ -3719,6 +3875,374 @@
           <p:cNvPr id="2" name="Title 1">
             <a:extLst>
               <a:ext uri="{FF2B5EF4-FFF2-40B4-BE49-F238E27FC236}">
+                <a16:creationId xmlns:a16="http://schemas.microsoft.com/office/drawing/2014/main" id="{A1C5ADF1-17A7-4FC7-9722-E771BF912054}"/>
+              </a:ext>
+            </a:extLst>
+          </p:cNvPr>
+          <p:cNvSpPr>
+            <a:spLocks noGrp="1"/>
+          </p:cNvSpPr>
+          <p:nvPr>
+            <p:ph type="title"/>
+          </p:nvPr>
+        </p:nvSpPr>
+        <p:spPr/>
+        <p:txBody>
+          <a:bodyPr/>
+          <a:lstStyle/>
+          <a:p>
+            <a:r>
+              <a:rPr lang="en-GB" dirty="0"/>
+              <a:t>Population characteristics: individuals</a:t>
+            </a:r>
+          </a:p>
+        </p:txBody>
+      </p:sp>
+      <p:sp>
+        <p:nvSpPr>
+          <p:cNvPr id="3" name="Content Placeholder 2">
+            <a:extLst>
+              <a:ext uri="{FF2B5EF4-FFF2-40B4-BE49-F238E27FC236}">
+                <a16:creationId xmlns:a16="http://schemas.microsoft.com/office/drawing/2014/main" id="{EA23C95D-E9F9-4838-AC29-47A8D2FCA9A9}"/>
+              </a:ext>
+            </a:extLst>
+          </p:cNvPr>
+          <p:cNvSpPr>
+            <a:spLocks noGrp="1"/>
+          </p:cNvSpPr>
+          <p:nvPr>
+            <p:ph idx="1"/>
+          </p:nvPr>
+        </p:nvSpPr>
+        <p:spPr>
+          <a:xfrm>
+            <a:off x="838200" y="1825625"/>
+            <a:ext cx="10515600" cy="4351338"/>
+          </a:xfrm>
+        </p:spPr>
+        <p:txBody>
+          <a:bodyPr/>
+          <a:lstStyle/>
+          <a:p>
+            <a:r>
+              <a:rPr lang="en-GB" dirty="0"/>
+              <a:t>Free walking speed</a:t>
+            </a:r>
+          </a:p>
+          <a:p>
+            <a:pPr lvl="1"/>
+            <a:r>
+              <a:rPr lang="en-GB" dirty="0"/>
+              <a:t>When you walk alone</a:t>
+            </a:r>
+          </a:p>
+          <a:p>
+            <a:r>
+              <a:rPr lang="en-GB" dirty="0"/>
+              <a:t>Maximum speed</a:t>
+            </a:r>
+          </a:p>
+          <a:p>
+            <a:pPr lvl="1"/>
+            <a:r>
+              <a:rPr lang="en-GB" dirty="0"/>
+              <a:t>When you walk fast</a:t>
+            </a:r>
+          </a:p>
+          <a:p>
+            <a:r>
+              <a:rPr lang="en-GB" dirty="0"/>
+              <a:t>Staircase speed</a:t>
+            </a:r>
+          </a:p>
+          <a:p>
+            <a:pPr lvl="1"/>
+            <a:r>
+              <a:rPr lang="en-GB" dirty="0"/>
+              <a:t>When you walk up and down stairs</a:t>
+            </a:r>
+          </a:p>
+          <a:p>
+            <a:r>
+              <a:rPr lang="en-GB" dirty="0"/>
+              <a:t>Agent dimensions</a:t>
+            </a:r>
+          </a:p>
+          <a:p>
+            <a:pPr lvl="1"/>
+            <a:r>
+              <a:rPr lang="en-GB" dirty="0"/>
+              <a:t>Population demographics: primary school vs weight loss clinic</a:t>
+            </a:r>
+          </a:p>
+          <a:p>
+            <a:endParaRPr lang="en-GB" dirty="0"/>
+          </a:p>
+        </p:txBody>
+      </p:sp>
+    </p:spTree>
+    <p:extLst>
+      <p:ext uri="{BB962C8B-B14F-4D97-AF65-F5344CB8AC3E}">
+        <p14:creationId xmlns:p14="http://schemas.microsoft.com/office/powerpoint/2010/main" val="290380897"/>
+      </p:ext>
+    </p:extLst>
+  </p:cSld>
+  <p:clrMapOvr>
+    <a:masterClrMapping/>
+  </p:clrMapOvr>
+</p:sld>
+</file>
+
+<file path=ppt/slides/slide6.xml><?xml version="1.0" encoding="utf-8"?>
+<p:sld xmlns:a="http://schemas.openxmlformats.org/drawingml/2006/main" xmlns:r="http://schemas.openxmlformats.org/officeDocument/2006/relationships" xmlns:p="http://schemas.openxmlformats.org/presentationml/2006/main">
+  <p:cSld>
+    <p:spTree>
+      <p:nvGrpSpPr>
+        <p:cNvPr id="1" name=""/>
+        <p:cNvGrpSpPr/>
+        <p:nvPr/>
+      </p:nvGrpSpPr>
+      <p:grpSpPr>
+        <a:xfrm>
+          <a:off x="0" y="0"/>
+          <a:ext cx="0" cy="0"/>
+          <a:chOff x="0" y="0"/>
+          <a:chExt cx="0" cy="0"/>
+        </a:xfrm>
+      </p:grpSpPr>
+      <p:sp>
+        <p:nvSpPr>
+          <p:cNvPr id="2" name="Title 1">
+            <a:extLst>
+              <a:ext uri="{FF2B5EF4-FFF2-40B4-BE49-F238E27FC236}">
+                <a16:creationId xmlns:a16="http://schemas.microsoft.com/office/drawing/2014/main" id="{82F217E6-4AAF-41A4-A496-56203B2C2786}"/>
+              </a:ext>
+            </a:extLst>
+          </p:cNvPr>
+          <p:cNvSpPr>
+            <a:spLocks noGrp="1"/>
+          </p:cNvSpPr>
+          <p:nvPr>
+            <p:ph type="title"/>
+          </p:nvPr>
+        </p:nvSpPr>
+        <p:spPr/>
+        <p:txBody>
+          <a:bodyPr/>
+          <a:lstStyle/>
+          <a:p>
+            <a:r>
+              <a:rPr lang="en-GB" dirty="0"/>
+              <a:t>Population characteristics: groups</a:t>
+            </a:r>
+          </a:p>
+        </p:txBody>
+      </p:sp>
+      <p:sp>
+        <p:nvSpPr>
+          <p:cNvPr id="3" name="Content Placeholder 2">
+            <a:extLst>
+              <a:ext uri="{FF2B5EF4-FFF2-40B4-BE49-F238E27FC236}">
+                <a16:creationId xmlns:a16="http://schemas.microsoft.com/office/drawing/2014/main" id="{47ACB8AE-389B-4070-A1CE-DF3860AEF408}"/>
+              </a:ext>
+            </a:extLst>
+          </p:cNvPr>
+          <p:cNvSpPr>
+            <a:spLocks noGrp="1"/>
+          </p:cNvSpPr>
+          <p:nvPr>
+            <p:ph idx="1"/>
+          </p:nvPr>
+        </p:nvSpPr>
+        <p:spPr/>
+        <p:txBody>
+          <a:bodyPr/>
+          <a:lstStyle/>
+          <a:p>
+            <a:r>
+              <a:rPr lang="en-GB" dirty="0"/>
+              <a:t>1D density-speed relationships</a:t>
+            </a:r>
+          </a:p>
+          <a:p>
+            <a:pPr lvl="1"/>
+            <a:r>
+              <a:rPr lang="en-GB" dirty="0"/>
+              <a:t>Building block of most models. We’ve seen a simplified version of this in the hydraulic model.</a:t>
+            </a:r>
+          </a:p>
+          <a:p>
+            <a:pPr lvl="1"/>
+            <a:endParaRPr lang="en-GB" dirty="0"/>
+          </a:p>
+          <a:p>
+            <a:r>
+              <a:rPr lang="en-GB" dirty="0"/>
+              <a:t>2D density-speed relationships</a:t>
+            </a:r>
+          </a:p>
+          <a:p>
+            <a:pPr lvl="1"/>
+            <a:r>
+              <a:rPr lang="en-GB" dirty="0"/>
+              <a:t>Complex movement patterns need to be considered.</a:t>
+            </a:r>
+          </a:p>
+        </p:txBody>
+      </p:sp>
+    </p:spTree>
+    <p:extLst>
+      <p:ext uri="{BB962C8B-B14F-4D97-AF65-F5344CB8AC3E}">
+        <p14:creationId xmlns:p14="http://schemas.microsoft.com/office/powerpoint/2010/main" val="17392470"/>
+      </p:ext>
+    </p:extLst>
+  </p:cSld>
+  <p:clrMapOvr>
+    <a:masterClrMapping/>
+  </p:clrMapOvr>
+</p:sld>
+</file>
+
+<file path=ppt/slides/slide7.xml><?xml version="1.0" encoding="utf-8"?>
+<p:sld xmlns:a="http://schemas.openxmlformats.org/drawingml/2006/main" xmlns:r="http://schemas.openxmlformats.org/officeDocument/2006/relationships" xmlns:p="http://schemas.openxmlformats.org/presentationml/2006/main">
+  <p:cSld>
+    <p:spTree>
+      <p:nvGrpSpPr>
+        <p:cNvPr id="1" name=""/>
+        <p:cNvGrpSpPr/>
+        <p:nvPr/>
+      </p:nvGrpSpPr>
+      <p:grpSpPr>
+        <a:xfrm>
+          <a:off x="0" y="0"/>
+          <a:ext cx="0" cy="0"/>
+          <a:chOff x="0" y="0"/>
+          <a:chExt cx="0" cy="0"/>
+        </a:xfrm>
+      </p:grpSpPr>
+      <p:sp>
+        <p:nvSpPr>
+          <p:cNvPr id="2" name="Title 1">
+            <a:extLst>
+              <a:ext uri="{FF2B5EF4-FFF2-40B4-BE49-F238E27FC236}">
+                <a16:creationId xmlns:a16="http://schemas.microsoft.com/office/drawing/2014/main" id="{2D900B49-C6E2-4619-B174-0E86CB3C13A7}"/>
+              </a:ext>
+            </a:extLst>
+          </p:cNvPr>
+          <p:cNvSpPr>
+            <a:spLocks noGrp="1"/>
+          </p:cNvSpPr>
+          <p:nvPr>
+            <p:ph type="title"/>
+          </p:nvPr>
+        </p:nvSpPr>
+        <p:spPr/>
+        <p:txBody>
+          <a:bodyPr/>
+          <a:lstStyle/>
+          <a:p>
+            <a:r>
+              <a:rPr lang="en-GB" dirty="0"/>
+              <a:t>Population characteristics: other</a:t>
+            </a:r>
+          </a:p>
+        </p:txBody>
+      </p:sp>
+      <p:sp>
+        <p:nvSpPr>
+          <p:cNvPr id="3" name="Content Placeholder 2">
+            <a:extLst>
+              <a:ext uri="{FF2B5EF4-FFF2-40B4-BE49-F238E27FC236}">
+                <a16:creationId xmlns:a16="http://schemas.microsoft.com/office/drawing/2014/main" id="{75672776-6A2A-4862-A472-D65E3E955D91}"/>
+              </a:ext>
+            </a:extLst>
+          </p:cNvPr>
+          <p:cNvSpPr>
+            <a:spLocks noGrp="1"/>
+          </p:cNvSpPr>
+          <p:nvPr>
+            <p:ph idx="1"/>
+          </p:nvPr>
+        </p:nvSpPr>
+        <p:spPr/>
+        <p:txBody>
+          <a:bodyPr/>
+          <a:lstStyle/>
+          <a:p>
+            <a:r>
+              <a:rPr lang="en-GB" dirty="0"/>
+              <a:t>Wayfinding</a:t>
+            </a:r>
+          </a:p>
+          <a:p>
+            <a:pPr lvl="1"/>
+            <a:r>
+              <a:rPr lang="en-GB" dirty="0"/>
+              <a:t>Escalators or stairs</a:t>
+            </a:r>
+          </a:p>
+          <a:p>
+            <a:pPr lvl="1"/>
+            <a:r>
+              <a:rPr lang="en-GB" dirty="0"/>
+              <a:t>Shorter queue or faster moving queue</a:t>
+            </a:r>
+          </a:p>
+          <a:p>
+            <a:pPr lvl="1"/>
+            <a:endParaRPr lang="en-GB" dirty="0"/>
+          </a:p>
+          <a:p>
+            <a:pPr lvl="1"/>
+            <a:r>
+              <a:rPr lang="en-GB" dirty="0"/>
+              <a:t>Very difficult to predict</a:t>
+            </a:r>
+          </a:p>
+          <a:p>
+            <a:pPr lvl="1"/>
+            <a:r>
+              <a:rPr lang="en-GB" dirty="0"/>
+              <a:t>Significant impact on movement through buildings</a:t>
+            </a:r>
+          </a:p>
+        </p:txBody>
+      </p:sp>
+    </p:spTree>
+    <p:extLst>
+      <p:ext uri="{BB962C8B-B14F-4D97-AF65-F5344CB8AC3E}">
+        <p14:creationId xmlns:p14="http://schemas.microsoft.com/office/powerpoint/2010/main" val="945560003"/>
+      </p:ext>
+    </p:extLst>
+  </p:cSld>
+  <p:clrMapOvr>
+    <a:masterClrMapping/>
+  </p:clrMapOvr>
+</p:sld>
+</file>
+
+<file path=ppt/slides/slide8.xml><?xml version="1.0" encoding="utf-8"?>
+<p:sld xmlns:a="http://schemas.openxmlformats.org/drawingml/2006/main" xmlns:r="http://schemas.openxmlformats.org/officeDocument/2006/relationships" xmlns:p="http://schemas.openxmlformats.org/presentationml/2006/main">
+  <p:cSld>
+    <p:spTree>
+      <p:nvGrpSpPr>
+        <p:cNvPr id="1" name=""/>
+        <p:cNvGrpSpPr/>
+        <p:nvPr/>
+      </p:nvGrpSpPr>
+      <p:grpSpPr>
+        <a:xfrm>
+          <a:off x="0" y="0"/>
+          <a:ext cx="0" cy="0"/>
+          <a:chOff x="0" y="0"/>
+          <a:chExt cx="0" cy="0"/>
+        </a:xfrm>
+      </p:grpSpPr>
+      <p:sp>
+        <p:nvSpPr>
+          <p:cNvPr id="2" name="Title 1">
+            <a:extLst>
+              <a:ext uri="{FF2B5EF4-FFF2-40B4-BE49-F238E27FC236}">
                 <a16:creationId xmlns:a16="http://schemas.microsoft.com/office/drawing/2014/main" id="{80601DC1-B419-4C27-B1EC-0FB23BA0F77E}"/>
               </a:ext>
             </a:extLst>
@@ -3760,30 +4284,60 @@
         </p:nvSpPr>
         <p:spPr/>
         <p:txBody>
-          <a:bodyPr/>
+          <a:bodyPr>
+            <a:normAutofit/>
+          </a:bodyPr>
           <a:lstStyle/>
           <a:p>
             <a:r>
               <a:rPr lang="en-GB" dirty="0"/>
-              <a:t>Is the lighting good enough? This has a significant effect when considering the movement of people with limited sight.</a:t>
-            </a:r>
-          </a:p>
-          <a:p>
+              <a:t>Lighting</a:t>
+            </a:r>
+          </a:p>
+          <a:p>
+            <a:pPr lvl="1"/>
             <a:r>
               <a:rPr lang="en-GB" dirty="0"/>
-              <a:t>Is the structure solid? This has a significant effect when considering motion of groups. See: Millennium Bridge, or (more tragically) the Hyatt Regency walkway.</a:t>
+              <a:t>Especially important for people with limited vision</a:t>
             </a:r>
           </a:p>
           <a:p>
             <a:r>
               <a:rPr lang="en-GB" dirty="0"/>
-              <a:t>Are the doors propped open? Flow through a building is significantly changed when occupants open and close doors.</a:t>
-            </a:r>
-          </a:p>
-          <a:p>
+              <a:t>Structure</a:t>
+            </a:r>
+          </a:p>
+          <a:p>
+            <a:pPr lvl="1"/>
             <a:r>
               <a:rPr lang="en-GB" dirty="0"/>
-              <a:t>Signage: are there clear signs on where to go? This will affect wayfinding.</a:t>
+              <a:t>Concrete or carpet? Resonant frequency? Especially important for Millennium Bridge</a:t>
+            </a:r>
+          </a:p>
+          <a:p>
+            <a:r>
+              <a:rPr lang="en-GB" dirty="0"/>
+              <a:t>Layout</a:t>
+            </a:r>
+          </a:p>
+          <a:p>
+            <a:pPr lvl="1"/>
+            <a:r>
+              <a:rPr lang="en-GB" dirty="0"/>
+              <a:t>Flow through a building is significantly changed when occupants open and close doors.</a:t>
+            </a:r>
+          </a:p>
+          <a:p>
+            <a:r>
+              <a:rPr lang="en-GB" dirty="0"/>
+              <a:t>Signage</a:t>
+            </a:r>
+          </a:p>
+          <a:p>
+            <a:pPr lvl="1"/>
+            <a:r>
+              <a:rPr lang="en-GB" dirty="0"/>
+              <a:t>Especially important for public buildings, where occupants need to navigate</a:t>
             </a:r>
           </a:p>
           <a:p>
